--- a/_PowerPoints/2nd Semester/Unit 10 Rational Exponents (from Algebra 4)/PreCalc_Day_070 Test.pptx
+++ b/_PowerPoints/2nd Semester/Unit 10 Rational Exponents (from Algebra 4)/PreCalc_Day_070 Test.pptx
@@ -200,7 +200,7 @@
           <a:p>
             <a:fld id="{FAC4242D-6570-4D26-878C-5DE8AD62D39F}" type="datetimeFigureOut">
               <a:rPr lang="en-US" smtClean="0"/>
-              <a:t>4/10/2018</a:t>
+              <a:t>4/11/2018</a:t>
             </a:fld>
             <a:endParaRPr lang="en-US"/>
           </a:p>
@@ -453,7 +453,7 @@
             <a:fld id="{87DE6118-2437-4B30-8E3C-4D2BE6020583}" type="datetimeFigureOut">
               <a:rPr lang="en-US" dirty="0"/>
               <a:pPr/>
-              <a:t>4/10/2018</a:t>
+              <a:t>4/11/2018</a:t>
             </a:fld>
             <a:endParaRPr lang="en-US" dirty="0"/>
           </a:p>
@@ -779,7 +779,7 @@
           <a:p>
             <a:fld id="{87DE6118-2437-4B30-8E3C-4D2BE6020583}" type="datetimeFigureOut">
               <a:rPr lang="en-US" dirty="0"/>
-              <a:t>4/10/2018</a:t>
+              <a:t>4/11/2018</a:t>
             </a:fld>
             <a:endParaRPr lang="en-US" dirty="0"/>
           </a:p>
@@ -954,7 +954,7 @@
           <a:p>
             <a:fld id="{87DE6118-2437-4B30-8E3C-4D2BE6020583}" type="datetimeFigureOut">
               <a:rPr lang="en-US" dirty="0"/>
-              <a:t>4/10/2018</a:t>
+              <a:t>4/11/2018</a:t>
             </a:fld>
             <a:endParaRPr lang="en-US" dirty="0"/>
           </a:p>
@@ -1119,7 +1119,7 @@
           <a:p>
             <a:fld id="{87DE6118-2437-4B30-8E3C-4D2BE6020583}" type="datetimeFigureOut">
               <a:rPr lang="en-US" dirty="0"/>
-              <a:t>4/10/2018</a:t>
+              <a:t>4/11/2018</a:t>
             </a:fld>
             <a:endParaRPr lang="en-US" dirty="0"/>
           </a:p>
@@ -1392,7 +1392,7 @@
             <a:fld id="{87DE6118-2437-4B30-8E3C-4D2BE6020583}" type="datetimeFigureOut">
               <a:rPr lang="en-US" dirty="0"/>
               <a:pPr/>
-              <a:t>4/10/2018</a:t>
+              <a:t>4/11/2018</a:t>
             </a:fld>
             <a:endParaRPr lang="en-US" dirty="0"/>
           </a:p>
@@ -1782,7 +1782,7 @@
           <a:p>
             <a:fld id="{87DE6118-2437-4B30-8E3C-4D2BE6020583}" type="datetimeFigureOut">
               <a:rPr lang="en-US" dirty="0"/>
-              <a:t>4/10/2018</a:t>
+              <a:t>4/11/2018</a:t>
             </a:fld>
             <a:endParaRPr lang="en-US" dirty="0"/>
           </a:p>
@@ -2254,7 +2254,7 @@
           <a:p>
             <a:fld id="{87DE6118-2437-4B30-8E3C-4D2BE6020583}" type="datetimeFigureOut">
               <a:rPr lang="en-US" dirty="0"/>
-              <a:t>4/10/2018</a:t>
+              <a:t>4/11/2018</a:t>
             </a:fld>
             <a:endParaRPr lang="en-US" dirty="0"/>
           </a:p>
@@ -2367,7 +2367,7 @@
           <a:p>
             <a:fld id="{87DE6118-2437-4B30-8E3C-4D2BE6020583}" type="datetimeFigureOut">
               <a:rPr lang="en-US" dirty="0"/>
-              <a:t>4/10/2018</a:t>
+              <a:t>4/11/2018</a:t>
             </a:fld>
             <a:endParaRPr lang="en-US" dirty="0"/>
           </a:p>
@@ -2457,7 +2457,7 @@
           <a:p>
             <a:fld id="{87DE6118-2437-4B30-8E3C-4D2BE6020583}" type="datetimeFigureOut">
               <a:rPr lang="en-US" dirty="0"/>
-              <a:t>4/10/2018</a:t>
+              <a:t>4/11/2018</a:t>
             </a:fld>
             <a:endParaRPr lang="en-US" dirty="0"/>
           </a:p>
@@ -2799,7 +2799,7 @@
             <a:fld id="{87DE6118-2437-4B30-8E3C-4D2BE6020583}" type="datetimeFigureOut">
               <a:rPr lang="en-US" dirty="0"/>
               <a:pPr/>
-              <a:t>4/10/2018</a:t>
+              <a:t>4/11/2018</a:t>
             </a:fld>
             <a:endParaRPr lang="en-US" dirty="0"/>
           </a:p>
@@ -3184,7 +3184,7 @@
             <a:fld id="{87DE6118-2437-4B30-8E3C-4D2BE6020583}" type="datetimeFigureOut">
               <a:rPr lang="en-US" dirty="0"/>
               <a:pPr/>
-              <a:t>4/10/2018</a:t>
+              <a:t>4/11/2018</a:t>
             </a:fld>
             <a:endParaRPr lang="en-US" dirty="0"/>
           </a:p>
@@ -3459,7 +3459,7 @@
             <a:fld id="{87DE6118-2437-4B30-8E3C-4D2BE6020583}" type="datetimeFigureOut">
               <a:rPr lang="en-US" dirty="0"/>
               <a:pPr/>
-              <a:t>4/10/2018</a:t>
+              <a:t>4/11/2018</a:t>
             </a:fld>
             <a:endParaRPr lang="en-US" dirty="0"/>
           </a:p>
@@ -4085,11 +4085,7 @@
           <a:p>
             <a:r>
               <a:rPr lang="en-US" dirty="0" smtClean="0"/>
-              <a:t>Bell Work: </a:t>
-            </a:r>
-            <a:r>
-              <a:rPr lang="en-US" dirty="0" smtClean="0"/>
-              <a:t>#1-2 </a:t>
+              <a:t>Bell Work: #1-2 </a:t>
             </a:r>
             <a:r>
               <a:rPr lang="en-US" dirty="0" err="1" smtClean="0"/>
@@ -4104,31 +4100,7 @@
             </a:br>
             <a:r>
               <a:rPr lang="en-US" dirty="0" smtClean="0"/>
-              <a:t>	   </a:t>
-            </a:r>
-            <a:r>
-              <a:rPr lang="en-US" dirty="0" smtClean="0"/>
-              <a:t>	     #</a:t>
-            </a:r>
-            <a:r>
-              <a:rPr lang="en-US" dirty="0" smtClean="0"/>
-              <a:t>3-4 Solve    </a:t>
-            </a:r>
-            <a:r>
-              <a:rPr lang="en-US" dirty="0" smtClean="0"/>
-              <a:t>[</a:t>
-            </a:r>
-            <a:r>
-              <a:rPr lang="en-US" dirty="0" smtClean="0"/>
-              <a:t>L3]	</a:t>
-            </a:r>
-            <a:r>
-              <a:rPr lang="en-US" dirty="0" smtClean="0"/>
-              <a:t>#</a:t>
-            </a:r>
-            <a:r>
-              <a:rPr lang="en-US" dirty="0" smtClean="0"/>
-              <a:t>5 Solve[L4]</a:t>
+              <a:t>	   	     #3-4 Solve    [L3]	#5 Solve[L4]</a:t>
             </a:r>
             <a:endParaRPr lang="en-US" dirty="0"/>
           </a:p>
@@ -4685,8 +4657,12 @@
           <a:lstStyle/>
           <a:p>
             <a:r>
-              <a:rPr lang="en-US" dirty="0" smtClean="0"/>
-              <a:t>Review Assignment (do what you need)</a:t>
+              <a:rPr lang="en-US" smtClean="0"/>
+              <a:t>Review </a:t>
+            </a:r>
+            <a:r>
+              <a:rPr lang="en-US" smtClean="0"/>
+              <a:t>Assignment</a:t>
             </a:r>
             <a:endParaRPr lang="en-US" dirty="0"/>
           </a:p>
